--- a/docs/index.pptx
+++ b/docs/index.pptx
@@ -5685,6 +5685,12 @@
               <a:rPr/>
               <a:t>Slides available online at </a:t>
             </a:r>
+            <a:r>
+              <a:rPr>
+                <a:hlinkClick r:id="rId2"/>
+              </a:rPr>
+              <a:t>https://b-rodrigues.github.io/r-medicine-rix</a:t>
+            </a:r>
           </a:p>
           <a:p>
             <a:pPr lvl="0" indent="0" marL="0">
@@ -5696,7 +5702,7 @@
             </a:r>
             <a:r>
               <a:rPr>
-                <a:hlinkClick r:id="rId2"/>
+                <a:hlinkClick r:id="rId3"/>
               </a:rPr>
               <a:t>https://github.com/b-rodrigues/r-medicine-rix</a:t>
             </a:r>

--- a/docs/index.pptx
+++ b/docs/index.pptx
@@ -3886,7 +3886,7 @@
             <a:pPr lvl="0"/>
             <a:r>
               <a:rPr/>
-              <a:t>Gold standard of reproducibilit: R, R packages and other dependencies must be managed</a:t>
+              <a:t>Gold standard of reproducibility: R, R packages and other dependencies must be managed</a:t>
             </a:r>
           </a:p>
           <a:p>
